--- a/files/2014-lecture3-mapping-assembly.pptx
+++ b/files/2014-lecture3-mapping-assembly.pptx
@@ -4315,6 +4315,13 @@
   <p:clrMapOvr>
     <a:masterClrMapping/>
   </p:clrMapOvr>
+  <p:timing>
+    <p:tnLst>
+      <p:par>
+        <p:cTn xmlns:p14="http://schemas.microsoft.com/office/powerpoint/2010/main" id="1" dur="indefinite" restart="never" nodeType="tmRoot"/>
+      </p:par>
+    </p:tnLst>
+  </p:timing>
 </p:sld>
 </file>
 
@@ -4456,6 +4463,13 @@
   <p:clrMapOvr>
     <a:masterClrMapping/>
   </p:clrMapOvr>
+  <p:timing>
+    <p:tnLst>
+      <p:par>
+        <p:cTn xmlns:p14="http://schemas.microsoft.com/office/powerpoint/2010/main" id="1" dur="indefinite" restart="never" nodeType="tmRoot"/>
+      </p:par>
+    </p:tnLst>
+  </p:timing>
 </p:sld>
 </file>
 
@@ -4699,6 +4713,13 @@
   <p:clrMapOvr>
     <a:masterClrMapping/>
   </p:clrMapOvr>
+  <p:timing>
+    <p:tnLst>
+      <p:par>
+        <p:cTn xmlns:p14="http://schemas.microsoft.com/office/powerpoint/2010/main" id="1" dur="indefinite" restart="never" nodeType="tmRoot"/>
+      </p:par>
+    </p:tnLst>
+  </p:timing>
 </p:sld>
 </file>
 
@@ -4804,6 +4825,13 @@
   <p:clrMapOvr>
     <a:masterClrMapping/>
   </p:clrMapOvr>
+  <p:timing>
+    <p:tnLst>
+      <p:par>
+        <p:cTn xmlns:p14="http://schemas.microsoft.com/office/powerpoint/2010/main" id="1" dur="indefinite" restart="never" nodeType="tmRoot"/>
+      </p:par>
+    </p:tnLst>
+  </p:timing>
 </p:sld>
 </file>
 
@@ -4936,6 +4964,13 @@
   <p:clrMapOvr>
     <a:masterClrMapping/>
   </p:clrMapOvr>
+  <p:timing>
+    <p:tnLst>
+      <p:par>
+        <p:cTn xmlns:p14="http://schemas.microsoft.com/office/powerpoint/2010/main" id="1" dur="indefinite" restart="never" nodeType="tmRoot"/>
+      </p:par>
+    </p:tnLst>
+  </p:timing>
 </p:sld>
 </file>
 
@@ -5034,6 +5069,13 @@
   <p:clrMapOvr>
     <a:masterClrMapping/>
   </p:clrMapOvr>
+  <p:timing>
+    <p:tnLst>
+      <p:par>
+        <p:cTn xmlns:p14="http://schemas.microsoft.com/office/powerpoint/2010/main" id="1" dur="indefinite" restart="never" nodeType="tmRoot"/>
+      </p:par>
+    </p:tnLst>
+  </p:timing>
 </p:sld>
 </file>
 
@@ -5234,6 +5276,13 @@
   <p:clrMapOvr>
     <a:masterClrMapping/>
   </p:clrMapOvr>
+  <p:timing>
+    <p:tnLst>
+      <p:par>
+        <p:cTn xmlns:p14="http://schemas.microsoft.com/office/powerpoint/2010/main" id="1" dur="indefinite" restart="never" nodeType="tmRoot"/>
+      </p:par>
+    </p:tnLst>
+  </p:timing>
 </p:sld>
 </file>
 
@@ -5857,6 +5906,13 @@
   <p:clrMapOvr>
     <a:masterClrMapping/>
   </p:clrMapOvr>
+  <p:timing>
+    <p:tnLst>
+      <p:par>
+        <p:cTn xmlns:p14="http://schemas.microsoft.com/office/powerpoint/2010/main" id="1" dur="indefinite" restart="never" nodeType="tmRoot"/>
+      </p:par>
+    </p:tnLst>
+  </p:timing>
 </p:sld>
 </file>
 
@@ -5957,6 +6013,13 @@
   <p:clrMapOvr>
     <a:masterClrMapping/>
   </p:clrMapOvr>
+  <p:timing>
+    <p:tnLst>
+      <p:par>
+        <p:cTn xmlns:p14="http://schemas.microsoft.com/office/powerpoint/2010/main" id="1" dur="indefinite" restart="never" nodeType="tmRoot"/>
+      </p:par>
+    </p:tnLst>
+  </p:timing>
 </p:sld>
 </file>
 
@@ -6437,6 +6500,27 @@
             </a:r>
           </a:p>
           <a:p>
+            <a:pPr lvl="1"/>
+            <a:r>
+              <a:rPr lang="en-US" dirty="0" smtClean="0"/>
+              <a:t>Bowtie v1: Can’t map across </a:t>
+            </a:r>
+            <a:r>
+              <a:rPr lang="en-US" dirty="0" err="1" smtClean="0"/>
+              <a:t>indels</a:t>
+            </a:r>
+            <a:r>
+              <a:rPr lang="en-US" dirty="0" smtClean="0"/>
+              <a:t>; great for exact matching</a:t>
+            </a:r>
+            <a:endParaRPr lang="en-US" dirty="0" smtClean="0"/>
+          </a:p>
+          <a:p>
+            <a:pPr lvl="1"/>
+            <a:r>
+              <a:rPr lang="en-US" dirty="0" smtClean="0"/>
+              <a:t>Bowtie v2: Much slower but is more flexible</a:t>
+            </a:r>
             <a:endParaRPr lang="en-US" dirty="0" smtClean="0"/>
           </a:p>
           <a:p>
@@ -6495,6 +6579,13 @@
   <p:clrMapOvr>
     <a:masterClrMapping/>
   </p:clrMapOvr>
+  <p:timing>
+    <p:tnLst>
+      <p:par>
+        <p:cTn xmlns:p14="http://schemas.microsoft.com/office/powerpoint/2010/main" id="1" dur="indefinite" restart="never" nodeType="tmRoot"/>
+      </p:par>
+    </p:tnLst>
+  </p:timing>
 </p:sld>
 </file>
 
@@ -6620,6 +6711,13 @@
   <p:clrMapOvr>
     <a:masterClrMapping/>
   </p:clrMapOvr>
+  <p:timing>
+    <p:tnLst>
+      <p:par>
+        <p:cTn xmlns:p14="http://schemas.microsoft.com/office/powerpoint/2010/main" id="1" dur="indefinite" restart="never" nodeType="tmRoot"/>
+      </p:par>
+    </p:tnLst>
+  </p:timing>
 </p:sld>
 </file>
 
@@ -6748,6 +6846,13 @@
   <p:clrMapOvr>
     <a:masterClrMapping/>
   </p:clrMapOvr>
+  <p:timing>
+    <p:tnLst>
+      <p:par>
+        <p:cTn xmlns:p14="http://schemas.microsoft.com/office/powerpoint/2010/main" id="1" dur="indefinite" restart="never" nodeType="tmRoot"/>
+      </p:par>
+    </p:tnLst>
+  </p:timing>
 </p:sld>
 </file>
 
@@ -6880,6 +6985,13 @@
   <p:clrMapOvr>
     <a:masterClrMapping/>
   </p:clrMapOvr>
+  <p:timing>
+    <p:tnLst>
+      <p:par>
+        <p:cTn xmlns:p14="http://schemas.microsoft.com/office/powerpoint/2010/main" id="1" dur="indefinite" restart="never" nodeType="tmRoot"/>
+      </p:par>
+    </p:tnLst>
+  </p:timing>
 </p:sld>
 </file>
 
@@ -7003,6 +7115,13 @@
   <p:clrMapOvr>
     <a:masterClrMapping/>
   </p:clrMapOvr>
+  <p:timing>
+    <p:tnLst>
+      <p:par>
+        <p:cTn xmlns:p14="http://schemas.microsoft.com/office/powerpoint/2010/main" id="1" dur="indefinite" restart="never" nodeType="tmRoot"/>
+      </p:par>
+    </p:tnLst>
+  </p:timing>
 </p:sld>
 </file>
 
@@ -7126,6 +7245,13 @@
   <p:clrMapOvr>
     <a:masterClrMapping/>
   </p:clrMapOvr>
+  <p:timing>
+    <p:tnLst>
+      <p:par>
+        <p:cTn xmlns:p14="http://schemas.microsoft.com/office/powerpoint/2010/main" id="1" dur="indefinite" restart="never" nodeType="tmRoot"/>
+      </p:par>
+    </p:tnLst>
+  </p:timing>
 </p:sld>
 </file>
 
@@ -7328,6 +7454,13 @@
   <p:clrMapOvr>
     <a:masterClrMapping/>
   </p:clrMapOvr>
+  <p:timing>
+    <p:tnLst>
+      <p:par>
+        <p:cTn xmlns:p14="http://schemas.microsoft.com/office/powerpoint/2010/main" id="1" dur="indefinite" restart="never" nodeType="tmRoot"/>
+      </p:par>
+    </p:tnLst>
+  </p:timing>
 </p:sld>
 </file>
 
@@ -8161,7 +8294,7 @@
         </p:nvPicPr>
         <p:blipFill>
           <a:blip r:embed="rId2"/>
-          <a:srcRect l="16381" r="16381"/>
+          <a:srcRect t="-24363" b="-24363"/>
           <a:stretch>
             <a:fillRect/>
           </a:stretch>
@@ -10878,6 +11011,13 @@
   <p:clrMapOvr>
     <a:masterClrMapping/>
   </p:clrMapOvr>
+  <p:timing>
+    <p:tnLst>
+      <p:par>
+        <p:cTn xmlns:p14="http://schemas.microsoft.com/office/powerpoint/2010/main" id="1" dur="indefinite" restart="never" nodeType="tmRoot"/>
+      </p:par>
+    </p:tnLst>
+  </p:timing>
 </p:sld>
 </file>
 
@@ -12211,6 +12351,13 @@
   <p:clrMapOvr>
     <a:masterClrMapping/>
   </p:clrMapOvr>
+  <p:timing>
+    <p:tnLst>
+      <p:par>
+        <p:cTn xmlns:p14="http://schemas.microsoft.com/office/powerpoint/2010/main" id="1" dur="indefinite" restart="never" nodeType="tmRoot"/>
+      </p:par>
+    </p:tnLst>
+  </p:timing>
 </p:sld>
 </file>
 
@@ -12328,6 +12475,13 @@
   <p:clrMapOvr>
     <a:masterClrMapping/>
   </p:clrMapOvr>
+  <p:timing>
+    <p:tnLst>
+      <p:par>
+        <p:cTn xmlns:p14="http://schemas.microsoft.com/office/powerpoint/2010/main" id="1" dur="indefinite" restart="never" nodeType="tmRoot"/>
+      </p:par>
+    </p:tnLst>
+  </p:timing>
 </p:sld>
 </file>
 
@@ -13067,6 +13221,13 @@
   <p:clrMapOvr>
     <a:masterClrMapping/>
   </p:clrMapOvr>
+  <p:timing>
+    <p:tnLst>
+      <p:par>
+        <p:cTn xmlns:p14="http://schemas.microsoft.com/office/powerpoint/2010/main" id="1" dur="indefinite" restart="never" nodeType="tmRoot"/>
+      </p:par>
+    </p:tnLst>
+  </p:timing>
 </p:sld>
 </file>
 
@@ -14013,6 +14174,13 @@
   <p:clrMapOvr>
     <a:masterClrMapping/>
   </p:clrMapOvr>
+  <p:timing>
+    <p:tnLst>
+      <p:par>
+        <p:cTn xmlns:p14="http://schemas.microsoft.com/office/powerpoint/2010/main" id="1" dur="indefinite" restart="never" nodeType="tmRoot"/>
+      </p:par>
+    </p:tnLst>
+  </p:timing>
 </p:sld>
 </file>
 
@@ -16844,6 +17012,13 @@
   <p:clrMapOvr>
     <a:masterClrMapping/>
   </p:clrMapOvr>
+  <p:timing>
+    <p:tnLst>
+      <p:par>
+        <p:cTn xmlns:p14="http://schemas.microsoft.com/office/powerpoint/2010/main" id="1" dur="indefinite" restart="never" nodeType="tmRoot"/>
+      </p:par>
+    </p:tnLst>
+  </p:timing>
 </p:sld>
 </file>
 
@@ -16982,6 +17157,13 @@
   <p:clrMapOvr>
     <a:masterClrMapping/>
   </p:clrMapOvr>
+  <p:timing>
+    <p:tnLst>
+      <p:par>
+        <p:cTn xmlns:p14="http://schemas.microsoft.com/office/powerpoint/2010/main" id="1" dur="indefinite" restart="never" nodeType="tmRoot"/>
+      </p:par>
+    </p:tnLst>
+  </p:timing>
 </p:sld>
 </file>
 
@@ -17120,6 +17302,13 @@
   <p:clrMapOvr>
     <a:masterClrMapping/>
   </p:clrMapOvr>
+  <p:timing>
+    <p:tnLst>
+      <p:par>
+        <p:cTn xmlns:p14="http://schemas.microsoft.com/office/powerpoint/2010/main" id="1" dur="indefinite" restart="never" nodeType="tmRoot"/>
+      </p:par>
+    </p:tnLst>
+  </p:timing>
 </p:sld>
 </file>
 
@@ -17258,6 +17447,13 @@
   <p:clrMapOvr>
     <a:masterClrMapping/>
   </p:clrMapOvr>
+  <p:timing>
+    <p:tnLst>
+      <p:par>
+        <p:cTn xmlns:p14="http://schemas.microsoft.com/office/powerpoint/2010/main" id="1" dur="indefinite" restart="never" nodeType="tmRoot"/>
+      </p:par>
+    </p:tnLst>
+  </p:timing>
 </p:sld>
 </file>
 
@@ -17340,6 +17536,13 @@
   <p:clrMapOvr>
     <a:masterClrMapping/>
   </p:clrMapOvr>
+  <p:timing>
+    <p:tnLst>
+      <p:par>
+        <p:cTn xmlns:p14="http://schemas.microsoft.com/office/powerpoint/2010/main" id="1" dur="indefinite" restart="never" nodeType="tmRoot"/>
+      </p:par>
+    </p:tnLst>
+  </p:timing>
 </p:sld>
 </file>
 
@@ -17468,6 +17671,13 @@
   <p:clrMapOvr>
     <a:masterClrMapping/>
   </p:clrMapOvr>
+  <p:timing>
+    <p:tnLst>
+      <p:par>
+        <p:cTn xmlns:p14="http://schemas.microsoft.com/office/powerpoint/2010/main" id="1" dur="indefinite" restart="never" nodeType="tmRoot"/>
+      </p:par>
+    </p:tnLst>
+  </p:timing>
 </p:sld>
 </file>
 
@@ -17580,6 +17790,13 @@
   <p:clrMapOvr>
     <a:masterClrMapping/>
   </p:clrMapOvr>
+  <p:timing>
+    <p:tnLst>
+      <p:par>
+        <p:cTn xmlns:p14="http://schemas.microsoft.com/office/powerpoint/2010/main" id="1" dur="indefinite" restart="never" nodeType="tmRoot"/>
+      </p:par>
+    </p:tnLst>
+  </p:timing>
 </p:sld>
 </file>
 
@@ -17814,6 +18031,13 @@
   <p:clrMapOvr>
     <a:masterClrMapping/>
   </p:clrMapOvr>
+  <p:timing>
+    <p:tnLst>
+      <p:par>
+        <p:cTn xmlns:p14="http://schemas.microsoft.com/office/powerpoint/2010/main" id="1" dur="indefinite" restart="never" nodeType="tmRoot"/>
+      </p:par>
+    </p:tnLst>
+  </p:timing>
 </p:sld>
 </file>
 
@@ -18313,6 +18537,13 @@
   <p:clrMapOvr>
     <a:masterClrMapping/>
   </p:clrMapOvr>
+  <p:timing>
+    <p:tnLst>
+      <p:par>
+        <p:cTn xmlns:p14="http://schemas.microsoft.com/office/powerpoint/2010/main" id="1" dur="indefinite" restart="never" nodeType="tmRoot"/>
+      </p:par>
+    </p:tnLst>
+  </p:timing>
 </p:sld>
 </file>
 
